--- a/2.Semester/Informationen/Präsi_B_260_Malte_Hermann_Simon_Feldmann.pptx
+++ b/2.Semester/Informationen/Präsi_B_260_Malte_Hermann_Simon_Feldmann.pptx
@@ -7977,20 +7977,14 @@
               </a:lnSpc>
             </a:pPr>
             <a:r>
-              <a:rPr lang="en-US" sz="8000" b="0" strike="noStrike" spc="-1" dirty="0" err="1">
+              <a:rPr lang="en-US" sz="8000" b="0" strike="noStrike" spc="-1" dirty="0">
                 <a:solidFill>
                   <a:srgbClr val="17161C"/>
                 </a:solidFill>
                 <a:latin typeface="Codec Pro"/>
               </a:rPr>
-              <a:t>Textfehler</a:t>
+              <a:t>Text</a:t>
             </a:r>
-            <a:endParaRPr lang="en-US" sz="8000" b="0" strike="noStrike" spc="-1" dirty="0">
-              <a:solidFill>
-                <a:srgbClr val="17161C"/>
-              </a:solidFill>
-              <a:latin typeface="Codec Pro"/>
-            </a:endParaRPr>
           </a:p>
         </p:txBody>
       </p:sp>
@@ -8365,20 +8359,14 @@
               </a:lnSpc>
             </a:pPr>
             <a:r>
-              <a:rPr lang="en-US" sz="8000" b="0" strike="noStrike" spc="-1" dirty="0" err="1">
+              <a:rPr lang="en-US" sz="8000" b="0" strike="noStrike" spc="-1" dirty="0">
                 <a:solidFill>
                   <a:srgbClr val="17161C"/>
                 </a:solidFill>
                 <a:latin typeface="Codec Pro"/>
               </a:rPr>
-              <a:t>Textfehler</a:t>
+              <a:t>Text</a:t>
             </a:r>
-            <a:endParaRPr lang="en-US" sz="8000" b="0" strike="noStrike" spc="-1" dirty="0">
-              <a:solidFill>
-                <a:srgbClr val="17161C"/>
-              </a:solidFill>
-              <a:latin typeface="Codec Pro"/>
-            </a:endParaRPr>
           </a:p>
         </p:txBody>
       </p:sp>
@@ -8867,15 +8855,15 @@
               </a:lnSpc>
             </a:pPr>
             <a:r>
-              <a:rPr lang="en-US" sz="8000" b="0" strike="noStrike" spc="-1">
+              <a:rPr lang="en-US" sz="8000" b="0" strike="noStrike" spc="-1" dirty="0">
                 <a:solidFill>
                   <a:srgbClr val="17161C"/>
                 </a:solidFill>
                 <a:latin typeface="Codec Pro"/>
               </a:rPr>
-              <a:t>Textfehler</a:t>
+              <a:t>Text</a:t>
             </a:r>
-            <a:endParaRPr lang="de-DE" sz="8000" b="0" strike="noStrike" spc="-1">
+            <a:endParaRPr lang="de-DE" sz="8000" b="0" strike="noStrike" spc="-1" dirty="0">
               <a:solidFill>
                 <a:srgbClr val="000000"/>
               </a:solidFill>
@@ -9331,20 +9319,14 @@
               </a:lnSpc>
             </a:pPr>
             <a:r>
-              <a:rPr lang="en-US" sz="8000" b="0" strike="noStrike" spc="-1" dirty="0" err="1">
+              <a:rPr lang="en-US" sz="8000" b="0" strike="noStrike" spc="-1" dirty="0">
                 <a:solidFill>
                   <a:srgbClr val="17161C"/>
                 </a:solidFill>
                 <a:latin typeface="Codec Pro"/>
               </a:rPr>
-              <a:t>Textfehler</a:t>
+              <a:t>Text</a:t>
             </a:r>
-            <a:endParaRPr lang="en-US" sz="8000" b="0" strike="noStrike" spc="-1" dirty="0">
-              <a:solidFill>
-                <a:srgbClr val="17161C"/>
-              </a:solidFill>
-              <a:latin typeface="Codec Pro"/>
-            </a:endParaRPr>
           </a:p>
         </p:txBody>
       </p:sp>
@@ -9719,20 +9701,14 @@
               </a:lnSpc>
             </a:pPr>
             <a:r>
-              <a:rPr lang="en-US" sz="8000" b="0" strike="noStrike" spc="-1" dirty="0" err="1">
+              <a:rPr lang="en-US" sz="8000" b="0" strike="noStrike" spc="-1" dirty="0">
                 <a:solidFill>
                   <a:srgbClr val="17161C"/>
                 </a:solidFill>
                 <a:latin typeface="Codec Pro"/>
               </a:rPr>
-              <a:t>Textfehler</a:t>
+              <a:t>Text</a:t>
             </a:r>
-            <a:endParaRPr lang="en-US" sz="8000" b="0" strike="noStrike" spc="-1" dirty="0">
-              <a:solidFill>
-                <a:srgbClr val="17161C"/>
-              </a:solidFill>
-              <a:latin typeface="Codec Pro"/>
-            </a:endParaRPr>
           </a:p>
         </p:txBody>
       </p:sp>
@@ -10107,20 +10083,14 @@
               </a:lnSpc>
             </a:pPr>
             <a:r>
-              <a:rPr lang="en-US" sz="8000" b="0" strike="noStrike" spc="-1" dirty="0" err="1">
+              <a:rPr lang="en-US" sz="8000" b="0" strike="noStrike" spc="-1" dirty="0">
                 <a:solidFill>
                   <a:srgbClr val="17161C"/>
                 </a:solidFill>
                 <a:latin typeface="Codec Pro"/>
               </a:rPr>
-              <a:t>Textfehler</a:t>
+              <a:t>Text</a:t>
             </a:r>
-            <a:endParaRPr lang="en-US" sz="8000" b="0" strike="noStrike" spc="-1" dirty="0">
-              <a:solidFill>
-                <a:srgbClr val="17161C"/>
-              </a:solidFill>
-              <a:latin typeface="Codec Pro"/>
-            </a:endParaRPr>
           </a:p>
         </p:txBody>
       </p:sp>
@@ -10525,20 +10495,14 @@
               </a:lnSpc>
             </a:pPr>
             <a:r>
-              <a:rPr lang="en-US" sz="8000" b="0" strike="noStrike" spc="-1" dirty="0" err="1">
+              <a:rPr lang="en-US" sz="8000" b="0" strike="noStrike" spc="-1" dirty="0">
                 <a:solidFill>
                   <a:srgbClr val="17161C"/>
                 </a:solidFill>
                 <a:latin typeface="Codec Pro"/>
               </a:rPr>
-              <a:t>Textfehler</a:t>
+              <a:t>Text</a:t>
             </a:r>
-            <a:endParaRPr lang="en-US" sz="8000" b="0" strike="noStrike" spc="-1" dirty="0">
-              <a:solidFill>
-                <a:srgbClr val="17161C"/>
-              </a:solidFill>
-              <a:latin typeface="Codec Pro"/>
-            </a:endParaRPr>
           </a:p>
         </p:txBody>
       </p:sp>
@@ -10997,20 +10961,14 @@
               </a:lnSpc>
             </a:pPr>
             <a:r>
-              <a:rPr lang="en-US" sz="8000" b="0" strike="noStrike" spc="-1" dirty="0" err="1">
+              <a:rPr lang="en-US" sz="8000" b="0" strike="noStrike" spc="-1" dirty="0">
                 <a:solidFill>
                   <a:srgbClr val="17161C"/>
                 </a:solidFill>
                 <a:latin typeface="Codec Pro"/>
               </a:rPr>
-              <a:t>Textfehler</a:t>
+              <a:t>Text</a:t>
             </a:r>
-            <a:endParaRPr lang="en-US" sz="8000" b="0" strike="noStrike" spc="-1" dirty="0">
-              <a:solidFill>
-                <a:srgbClr val="17161C"/>
-              </a:solidFill>
-              <a:latin typeface="Codec Pro"/>
-            </a:endParaRPr>
           </a:p>
         </p:txBody>
       </p:sp>
@@ -11385,20 +11343,14 @@
               </a:lnSpc>
             </a:pPr>
             <a:r>
-              <a:rPr lang="en-US" sz="8000" b="0" strike="noStrike" spc="-1" dirty="0" err="1">
+              <a:rPr lang="en-US" sz="8000" b="0" strike="noStrike" spc="-1" dirty="0">
                 <a:solidFill>
                   <a:srgbClr val="17161C"/>
                 </a:solidFill>
                 <a:latin typeface="Codec Pro"/>
               </a:rPr>
-              <a:t>Textfehler</a:t>
+              <a:t>Text</a:t>
             </a:r>
-            <a:endParaRPr lang="en-US" sz="8000" b="0" strike="noStrike" spc="-1" dirty="0">
-              <a:solidFill>
-                <a:srgbClr val="17161C"/>
-              </a:solidFill>
-              <a:latin typeface="Codec Pro"/>
-            </a:endParaRPr>
           </a:p>
         </p:txBody>
       </p:sp>
@@ -11772,20 +11724,14 @@
               </a:lnSpc>
             </a:pPr>
             <a:r>
-              <a:rPr lang="en-US" sz="8000" b="0" strike="noStrike" spc="-1" dirty="0" err="1">
+              <a:rPr lang="en-US" sz="8000" b="0" strike="noStrike" spc="-1" dirty="0">
                 <a:solidFill>
                   <a:srgbClr val="17161C"/>
                 </a:solidFill>
                 <a:latin typeface="Codec Pro"/>
               </a:rPr>
-              <a:t>Textfehler</a:t>
+              <a:t>Text</a:t>
             </a:r>
-            <a:endParaRPr lang="en-US" sz="8000" b="0" strike="noStrike" spc="-1" dirty="0">
-              <a:solidFill>
-                <a:srgbClr val="17161C"/>
-              </a:solidFill>
-              <a:latin typeface="Codec Pro"/>
-            </a:endParaRPr>
           </a:p>
         </p:txBody>
       </p:sp>
@@ -12160,20 +12106,14 @@
               </a:lnSpc>
             </a:pPr>
             <a:r>
-              <a:rPr lang="en-US" sz="8000" b="0" strike="noStrike" spc="-1" dirty="0" err="1">
+              <a:rPr lang="en-US" sz="8000" b="0" strike="noStrike" spc="-1" dirty="0">
                 <a:solidFill>
                   <a:srgbClr val="17161C"/>
                 </a:solidFill>
                 <a:latin typeface="Codec Pro"/>
               </a:rPr>
-              <a:t>Textfehler</a:t>
+              <a:t>Text</a:t>
             </a:r>
-            <a:endParaRPr lang="en-US" sz="8000" b="0" strike="noStrike" spc="-1" dirty="0">
-              <a:solidFill>
-                <a:srgbClr val="17161C"/>
-              </a:solidFill>
-              <a:latin typeface="Codec Pro"/>
-            </a:endParaRPr>
           </a:p>
         </p:txBody>
       </p:sp>
@@ -12548,20 +12488,14 @@
               </a:lnSpc>
             </a:pPr>
             <a:r>
-              <a:rPr lang="en-US" sz="8000" b="0" strike="noStrike" spc="-1" dirty="0" err="1">
+              <a:rPr lang="en-US" sz="8000" b="0" strike="noStrike" spc="-1" dirty="0">
                 <a:solidFill>
                   <a:srgbClr val="17161C"/>
                 </a:solidFill>
                 <a:latin typeface="Codec Pro"/>
               </a:rPr>
-              <a:t>Textfehler</a:t>
+              <a:t>Text</a:t>
             </a:r>
-            <a:endParaRPr lang="en-US" sz="8000" b="0" strike="noStrike" spc="-1" dirty="0">
-              <a:solidFill>
-                <a:srgbClr val="17161C"/>
-              </a:solidFill>
-              <a:latin typeface="Codec Pro"/>
-            </a:endParaRPr>
           </a:p>
         </p:txBody>
       </p:sp>
